--- a/Capstone_Final_Report.pptx
+++ b/Capstone_Final_Report.pptx
@@ -5,7 +5,7 @@
     <p:sldMasterId id="2147483751" r:id="rId1"/>
   </p:sldMasterIdLst>
   <p:notesMasterIdLst>
-    <p:notesMasterId r:id="rId29"/>
+    <p:notesMasterId r:id="rId30"/>
   </p:notesMasterIdLst>
   <p:sldIdLst>
     <p:sldId id="256" r:id="rId2"/>
@@ -35,6 +35,7 @@
     <p:sldId id="283" r:id="rId26"/>
     <p:sldId id="284" r:id="rId27"/>
     <p:sldId id="286" r:id="rId28"/>
+    <p:sldId id="287" r:id="rId29"/>
   </p:sldIdLst>
   <p:sldSz cx="12192000" cy="6858000"/>
   <p:notesSz cx="6858000" cy="9144000"/>
@@ -21311,6 +21312,102 @@
     <p:extLst>
       <p:ext uri="{BB962C8B-B14F-4D97-AF65-F5344CB8AC3E}">
         <p14:creationId xmlns:p14="http://schemas.microsoft.com/office/powerpoint/2010/main" val="3067339473"/>
+      </p:ext>
+    </p:extLst>
+  </p:cSld>
+  <p:clrMapOvr>
+    <a:masterClrMapping/>
+  </p:clrMapOvr>
+</p:sld>
+</file>
+
+<file path=ppt/slides/slide28.xml><?xml version="1.0" encoding="utf-8"?>
+<p:sld xmlns:a="http://schemas.openxmlformats.org/drawingml/2006/main" xmlns:r="http://schemas.openxmlformats.org/officeDocument/2006/relationships" xmlns:p="http://schemas.openxmlformats.org/presentationml/2006/main">
+  <p:cSld>
+    <p:spTree>
+      <p:nvGrpSpPr>
+        <p:cNvPr id="1" name=""/>
+        <p:cNvGrpSpPr/>
+        <p:nvPr/>
+      </p:nvGrpSpPr>
+      <p:grpSpPr>
+        <a:xfrm>
+          <a:off x="0" y="0"/>
+          <a:ext cx="0" cy="0"/>
+          <a:chOff x="0" y="0"/>
+          <a:chExt cx="0" cy="0"/>
+        </a:xfrm>
+      </p:grpSpPr>
+      <p:sp>
+        <p:nvSpPr>
+          <p:cNvPr id="2" name="Title 1">
+            <a:extLst>
+              <a:ext uri="{FF2B5EF4-FFF2-40B4-BE49-F238E27FC236}">
+                <a16:creationId xmlns:a16="http://schemas.microsoft.com/office/drawing/2014/main" id="{E610C327-3DA8-49D3-BD00-3E1CFA6FD171}"/>
+              </a:ext>
+            </a:extLst>
+          </p:cNvPr>
+          <p:cNvSpPr>
+            <a:spLocks noGrp="1"/>
+          </p:cNvSpPr>
+          <p:nvPr>
+            <p:ph type="title"/>
+          </p:nvPr>
+        </p:nvSpPr>
+        <p:spPr/>
+        <p:txBody>
+          <a:bodyPr/>
+          <a:lstStyle/>
+          <a:p>
+            <a:r>
+              <a:rPr lang="en-US" dirty="0"/>
+              <a:t>Next Steps</a:t>
+            </a:r>
+          </a:p>
+        </p:txBody>
+      </p:sp>
+      <p:sp>
+        <p:nvSpPr>
+          <p:cNvPr id="3" name="Content Placeholder 2">
+            <a:extLst>
+              <a:ext uri="{FF2B5EF4-FFF2-40B4-BE49-F238E27FC236}">
+                <a16:creationId xmlns:a16="http://schemas.microsoft.com/office/drawing/2014/main" id="{04B237B7-07AF-43BC-91E8-1955199AF243}"/>
+              </a:ext>
+            </a:extLst>
+          </p:cNvPr>
+          <p:cNvSpPr>
+            <a:spLocks noGrp="1"/>
+          </p:cNvSpPr>
+          <p:nvPr>
+            <p:ph idx="1"/>
+          </p:nvPr>
+        </p:nvSpPr>
+        <p:spPr/>
+        <p:txBody>
+          <a:bodyPr/>
+          <a:lstStyle/>
+          <a:p>
+            <a:r>
+              <a:rPr lang="en-US" dirty="0"/>
+              <a:t>Analyze the sentiment from song’s lyrical content to add as a feature to these models</a:t>
+            </a:r>
+          </a:p>
+          <a:p>
+            <a:r>
+              <a:rPr lang="en-US" dirty="0"/>
+              <a:t>Create a Recommender that utilizes </a:t>
+            </a:r>
+            <a:r>
+              <a:rPr lang="en-US"/>
+              <a:t>genre information</a:t>
+            </a:r>
+          </a:p>
+        </p:txBody>
+      </p:sp>
+    </p:spTree>
+    <p:extLst>
+      <p:ext uri="{BB962C8B-B14F-4D97-AF65-F5344CB8AC3E}">
+        <p14:creationId xmlns:p14="http://schemas.microsoft.com/office/powerpoint/2010/main" val="2649482073"/>
       </p:ext>
     </p:extLst>
   </p:cSld>
